--- a/Highway Hierarchies.pptx
+++ b/Highway Hierarchies.pptx
@@ -5,7 +5,7 @@
     <p:sldMasterId id="2147483756" r:id="rId1"/>
   </p:sldMasterIdLst>
   <p:notesMasterIdLst>
-    <p:notesMasterId r:id="rId42"/>
+    <p:notesMasterId r:id="rId43"/>
   </p:notesMasterIdLst>
   <p:sldIdLst>
     <p:sldId id="256" r:id="rId2"/>
@@ -48,6 +48,7 @@
     <p:sldId id="293" r:id="rId39"/>
     <p:sldId id="294" r:id="rId40"/>
     <p:sldId id="295" r:id="rId41"/>
+    <p:sldId id="296" r:id="rId42"/>
   </p:sldIdLst>
   <p:sldSz cx="12192000" cy="6858000"/>
   <p:notesSz cx="6858000" cy="9144000"/>
@@ -236,7 +237,7 @@
           <a:p>
             <a:fld id="{43F1CE94-C469-4D79-9374-3DFB570DDD46}" type="datetimeFigureOut">
               <a:rPr lang="zh-CN" altLang="en-US" smtClean="0"/>
-              <a:t>2014/10/22</a:t>
+              <a:t>2014/10/24</a:t>
             </a:fld>
             <a:endParaRPr lang="zh-CN" altLang="en-US"/>
           </a:p>
@@ -740,7 +741,30 @@
           <a:bodyPr/>
           <a:lstStyle/>
           <a:p>
-            <a:pPr/>
+            <a:r>
+              <a:rPr lang="zh-CN" altLang="en-US" dirty="0" smtClean="0"/>
+              <a:t>乍一看</a:t>
+            </a:r>
+            <a:r>
+              <a:rPr lang="en-US" altLang="zh-CN" dirty="0" smtClean="0"/>
+              <a:t>Highway</a:t>
+            </a:r>
+            <a:r>
+              <a:rPr lang="en-US" altLang="zh-CN" baseline="0" dirty="0" smtClean="0"/>
+              <a:t> Network</a:t>
+            </a:r>
+            <a:r>
+              <a:rPr lang="zh-CN" altLang="en-US" baseline="0" dirty="0" smtClean="0"/>
+              <a:t>的构造需要对每个点进行</a:t>
+            </a:r>
+            <a:r>
+              <a:rPr lang="en-US" altLang="zh-CN" baseline="0" dirty="0" err="1" smtClean="0"/>
+              <a:t>Dijkstra</a:t>
+            </a:r>
+            <a:r>
+              <a:rPr lang="zh-CN" altLang="en-US" baseline="0" dirty="0" smtClean="0"/>
+              <a:t>算法，其实不需要！</a:t>
+            </a:r>
             <a:endParaRPr lang="zh-CN" altLang="en-US" dirty="0"/>
           </a:p>
         </p:txBody>
@@ -772,6 +796,94 @@
     <p:extLst>
       <p:ext uri="{BB962C8B-B14F-4D97-AF65-F5344CB8AC3E}">
         <p14:creationId xmlns:p14="http://schemas.microsoft.com/office/powerpoint/2010/main" val="2782551787"/>
+      </p:ext>
+    </p:extLst>
+  </p:cSld>
+  <p:clrMapOvr>
+    <a:masterClrMapping/>
+  </p:clrMapOvr>
+</p:notes>
+</file>
+
+<file path=ppt/notesSlides/notesSlide4.xml><?xml version="1.0" encoding="utf-8"?>
+<p:notes xmlns:a="http://schemas.openxmlformats.org/drawingml/2006/main" xmlns:r="http://schemas.openxmlformats.org/officeDocument/2006/relationships" xmlns:p="http://schemas.openxmlformats.org/presentationml/2006/main">
+  <p:cSld>
+    <p:spTree>
+      <p:nvGrpSpPr>
+        <p:cNvPr id="1" name=""/>
+        <p:cNvGrpSpPr/>
+        <p:nvPr/>
+      </p:nvGrpSpPr>
+      <p:grpSpPr>
+        <a:xfrm>
+          <a:off x="0" y="0"/>
+          <a:ext cx="0" cy="0"/>
+          <a:chOff x="0" y="0"/>
+          <a:chExt cx="0" cy="0"/>
+        </a:xfrm>
+      </p:grpSpPr>
+      <p:sp>
+        <p:nvSpPr>
+          <p:cNvPr id="2" name="幻灯片图像占位符 1"/>
+          <p:cNvSpPr>
+            <a:spLocks noGrp="1" noRot="1" noChangeAspect="1"/>
+          </p:cNvSpPr>
+          <p:nvPr>
+            <p:ph type="sldImg"/>
+          </p:nvPr>
+        </p:nvSpPr>
+        <p:spPr/>
+      </p:sp>
+      <p:sp>
+        <p:nvSpPr>
+          <p:cNvPr id="3" name="备注占位符 2"/>
+          <p:cNvSpPr>
+            <a:spLocks noGrp="1"/>
+          </p:cNvSpPr>
+          <p:nvPr>
+            <p:ph type="body" idx="1"/>
+          </p:nvPr>
+        </p:nvSpPr>
+        <p:spPr/>
+        <p:txBody>
+          <a:bodyPr/>
+          <a:lstStyle/>
+          <a:p>
+            <a:r>
+              <a:rPr lang="zh-CN" altLang="en-US" dirty="0" smtClean="0"/>
+              <a:t>算法只能升层次，不能降层次！</a:t>
+            </a:r>
+            <a:endParaRPr lang="zh-CN" altLang="en-US" dirty="0"/>
+          </a:p>
+        </p:txBody>
+      </p:sp>
+      <p:sp>
+        <p:nvSpPr>
+          <p:cNvPr id="4" name="灯片编号占位符 3"/>
+          <p:cNvSpPr>
+            <a:spLocks noGrp="1"/>
+          </p:cNvSpPr>
+          <p:nvPr>
+            <p:ph type="sldNum" sz="quarter" idx="10"/>
+          </p:nvPr>
+        </p:nvSpPr>
+        <p:spPr/>
+        <p:txBody>
+          <a:bodyPr/>
+          <a:lstStyle/>
+          <a:p>
+            <a:fld id="{114A4822-8F4A-4BFD-94C4-E8CBD9B4F1A2}" type="slidenum">
+              <a:rPr lang="zh-CN" altLang="en-US" smtClean="0"/>
+              <a:t>37</a:t>
+            </a:fld>
+            <a:endParaRPr lang="zh-CN" altLang="en-US"/>
+          </a:p>
+        </p:txBody>
+      </p:sp>
+    </p:spTree>
+    <p:extLst>
+      <p:ext uri="{BB962C8B-B14F-4D97-AF65-F5344CB8AC3E}">
+        <p14:creationId xmlns:p14="http://schemas.microsoft.com/office/powerpoint/2010/main" val="3663010839"/>
       </p:ext>
     </p:extLst>
   </p:cSld>
@@ -969,7 +1081,7 @@
           <a:p>
             <a:fld id="{93200DEB-509D-4D1D-A6CE-7E43CFEA28D5}" type="datetimeFigureOut">
               <a:rPr lang="zh-CN" altLang="en-US" smtClean="0"/>
-              <a:t>2014/10/22</a:t>
+              <a:t>2014/10/24</a:t>
             </a:fld>
             <a:endParaRPr lang="zh-CN" altLang="en-US"/>
           </a:p>
@@ -1307,7 +1419,7 @@
           <a:p>
             <a:fld id="{93200DEB-509D-4D1D-A6CE-7E43CFEA28D5}" type="datetimeFigureOut">
               <a:rPr lang="zh-CN" altLang="en-US" smtClean="0"/>
-              <a:t>2014/10/22</a:t>
+              <a:t>2014/10/24</a:t>
             </a:fld>
             <a:endParaRPr lang="zh-CN" altLang="en-US"/>
           </a:p>
@@ -1708,7 +1820,7 @@
           <a:p>
             <a:fld id="{93200DEB-509D-4D1D-A6CE-7E43CFEA28D5}" type="datetimeFigureOut">
               <a:rPr lang="zh-CN" altLang="en-US" smtClean="0"/>
-              <a:t>2014/10/22</a:t>
+              <a:t>2014/10/24</a:t>
             </a:fld>
             <a:endParaRPr lang="zh-CN" altLang="en-US"/>
           </a:p>
@@ -2044,7 +2156,7 @@
           <a:p>
             <a:fld id="{93200DEB-509D-4D1D-A6CE-7E43CFEA28D5}" type="datetimeFigureOut">
               <a:rPr lang="zh-CN" altLang="en-US" smtClean="0"/>
-              <a:t>2014/10/22</a:t>
+              <a:t>2014/10/24</a:t>
             </a:fld>
             <a:endParaRPr lang="zh-CN" altLang="en-US"/>
           </a:p>
@@ -2364,7 +2476,7 @@
           <a:p>
             <a:fld id="{93200DEB-509D-4D1D-A6CE-7E43CFEA28D5}" type="datetimeFigureOut">
               <a:rPr lang="zh-CN" altLang="en-US" smtClean="0"/>
-              <a:t>2014/10/22</a:t>
+              <a:t>2014/10/24</a:t>
             </a:fld>
             <a:endParaRPr lang="zh-CN" altLang="en-US"/>
           </a:p>
@@ -2760,7 +2872,7 @@
           <a:p>
             <a:fld id="{93200DEB-509D-4D1D-A6CE-7E43CFEA28D5}" type="datetimeFigureOut">
               <a:rPr lang="zh-CN" altLang="en-US" smtClean="0"/>
-              <a:t>2014/10/22</a:t>
+              <a:t>2014/10/24</a:t>
             </a:fld>
             <a:endParaRPr lang="zh-CN" altLang="en-US"/>
           </a:p>
@@ -3017,7 +3129,7 @@
           <a:p>
             <a:fld id="{93200DEB-509D-4D1D-A6CE-7E43CFEA28D5}" type="datetimeFigureOut">
               <a:rPr lang="zh-CN" altLang="en-US" smtClean="0"/>
-              <a:t>2014/10/22</a:t>
+              <a:t>2014/10/24</a:t>
             </a:fld>
             <a:endParaRPr lang="zh-CN" altLang="en-US"/>
           </a:p>
@@ -3279,7 +3391,7 @@
           <a:p>
             <a:fld id="{93200DEB-509D-4D1D-A6CE-7E43CFEA28D5}" type="datetimeFigureOut">
               <a:rPr lang="zh-CN" altLang="en-US" smtClean="0"/>
-              <a:t>2014/10/22</a:t>
+              <a:t>2014/10/24</a:t>
             </a:fld>
             <a:endParaRPr lang="zh-CN" altLang="en-US"/>
           </a:p>
@@ -3541,7 +3653,7 @@
           <a:p>
             <a:fld id="{93200DEB-509D-4D1D-A6CE-7E43CFEA28D5}" type="datetimeFigureOut">
               <a:rPr lang="zh-CN" altLang="en-US" smtClean="0"/>
-              <a:t>2014/10/22</a:t>
+              <a:t>2014/10/24</a:t>
             </a:fld>
             <a:endParaRPr lang="zh-CN" altLang="en-US"/>
           </a:p>
@@ -3870,7 +3982,7 @@
           <a:p>
             <a:fld id="{93200DEB-509D-4D1D-A6CE-7E43CFEA28D5}" type="datetimeFigureOut">
               <a:rPr lang="zh-CN" altLang="en-US" smtClean="0"/>
-              <a:t>2014/10/22</a:t>
+              <a:t>2014/10/24</a:t>
             </a:fld>
             <a:endParaRPr lang="zh-CN" altLang="en-US"/>
           </a:p>
@@ -4193,7 +4305,7 @@
           <a:p>
             <a:fld id="{93200DEB-509D-4D1D-A6CE-7E43CFEA28D5}" type="datetimeFigureOut">
               <a:rPr lang="zh-CN" altLang="en-US" smtClean="0"/>
-              <a:t>2014/10/22</a:t>
+              <a:t>2014/10/24</a:t>
             </a:fld>
             <a:endParaRPr lang="zh-CN" altLang="en-US"/>
           </a:p>
@@ -4650,7 +4762,7 @@
           <a:p>
             <a:fld id="{93200DEB-509D-4D1D-A6CE-7E43CFEA28D5}" type="datetimeFigureOut">
               <a:rPr lang="zh-CN" altLang="en-US" smtClean="0"/>
-              <a:t>2014/10/22</a:t>
+              <a:t>2014/10/24</a:t>
             </a:fld>
             <a:endParaRPr lang="zh-CN" altLang="en-US"/>
           </a:p>
@@ -4855,7 +4967,7 @@
           <a:p>
             <a:fld id="{93200DEB-509D-4D1D-A6CE-7E43CFEA28D5}" type="datetimeFigureOut">
               <a:rPr lang="zh-CN" altLang="en-US" smtClean="0"/>
-              <a:t>2014/10/22</a:t>
+              <a:t>2014/10/24</a:t>
             </a:fld>
             <a:endParaRPr lang="zh-CN" altLang="en-US"/>
           </a:p>
@@ -5032,7 +5144,7 @@
           <a:p>
             <a:fld id="{93200DEB-509D-4D1D-A6CE-7E43CFEA28D5}" type="datetimeFigureOut">
               <a:rPr lang="zh-CN" altLang="en-US" smtClean="0"/>
-              <a:t>2014/10/22</a:t>
+              <a:t>2014/10/24</a:t>
             </a:fld>
             <a:endParaRPr lang="zh-CN" altLang="en-US"/>
           </a:p>
@@ -5365,7 +5477,7 @@
           <a:p>
             <a:fld id="{93200DEB-509D-4D1D-A6CE-7E43CFEA28D5}" type="datetimeFigureOut">
               <a:rPr lang="zh-CN" altLang="en-US" smtClean="0"/>
-              <a:t>2014/10/22</a:t>
+              <a:t>2014/10/24</a:t>
             </a:fld>
             <a:endParaRPr lang="zh-CN" altLang="en-US"/>
           </a:p>
@@ -5710,7 +5822,7 @@
           <a:p>
             <a:fld id="{93200DEB-509D-4D1D-A6CE-7E43CFEA28D5}" type="datetimeFigureOut">
               <a:rPr lang="zh-CN" altLang="en-US" smtClean="0"/>
-              <a:t>2014/10/22</a:t>
+              <a:t>2014/10/24</a:t>
             </a:fld>
             <a:endParaRPr lang="zh-CN" altLang="en-US"/>
           </a:p>
@@ -7827,7 +7939,7 @@
           <a:p>
             <a:fld id="{93200DEB-509D-4D1D-A6CE-7E43CFEA28D5}" type="datetimeFigureOut">
               <a:rPr lang="zh-CN" altLang="en-US" smtClean="0"/>
-              <a:t>2014/10/22</a:t>
+              <a:t>2014/10/24</a:t>
             </a:fld>
             <a:endParaRPr lang="zh-CN" altLang="en-US"/>
           </a:p>
@@ -9518,7 +9630,7 @@
           <a:graphicData uri="http://schemas.openxmlformats.org/presentationml/2006/ole">
             <mc:AlternateContent xmlns:mc="http://schemas.openxmlformats.org/markup-compatibility/2006">
               <mc:Choice xmlns:v="urn:schemas-microsoft-com:vml" Requires="v">
-                <p:oleObj spid="_x0000_s1042" name="Equation" r:id="rId4" imgW="914400" imgH="198720" progId="Equation.DSMT4">
+                <p:oleObj spid="_x0000_s1046" name="Equation" r:id="rId4" imgW="914400" imgH="198720" progId="Equation.DSMT4">
                   <p:embed/>
                 </p:oleObj>
               </mc:Choice>
@@ -11067,8 +11179,12 @@
                   <a:t>k</a:t>
                 </a:r>
                 <a:r>
+                  <a:rPr lang="zh-CN" altLang="en-US" sz="1700" dirty="0" smtClean="0"/>
+                  <a:t>个遍历到的</a:t>
+                </a:r>
+                <a:r>
                   <a:rPr lang="zh-CN" altLang="en-US" sz="1700" dirty="0"/>
-                  <a:t>个出优先队列的点的</a:t>
+                  <a:t>点的</a:t>
                 </a:r>
                 <a:r>
                   <a:rPr lang="en-US" altLang="zh-CN" sz="1700" dirty="0" err="1"/>
@@ -12151,18 +12267,7 @@
                   </a:schemeClr>
                 </a:solidFill>
               </a:rPr>
-              <a:t>上述算法找出的</a:t>
-            </a:r>
-            <a:r>
-              <a:rPr lang="zh-CN" altLang="en-US" dirty="0" smtClean="0">
-                <a:solidFill>
-                  <a:schemeClr val="tx1">
-                    <a:lumMod val="75000"/>
-                    <a:lumOff val="25000"/>
-                  </a:schemeClr>
-                </a:solidFill>
-              </a:rPr>
-              <a:t>所有边</a:t>
+              <a:t>上述算法找出的所有边</a:t>
             </a:r>
             <a:r>
               <a:rPr lang="zh-CN" altLang="en-US" dirty="0">
@@ -18253,36 +18358,6 @@
           </p:sp>
         </mc:Fallback>
       </mc:AlternateContent>
-      <p:pic>
-        <p:nvPicPr>
-          <p:cNvPr id="7" name="图片 6"/>
-          <p:cNvPicPr>
-            <a:picLocks noChangeAspect="1"/>
-          </p:cNvPicPr>
-          <p:nvPr/>
-        </p:nvPicPr>
-        <p:blipFill>
-          <a:blip r:embed="rId3">
-            <a:extLst>
-              <a:ext uri="{28A0092B-C50C-407E-A947-70E740481C1C}">
-                <a14:useLocalDpi xmlns:a14="http://schemas.microsoft.com/office/drawing/2010/main" val="0"/>
-              </a:ext>
-            </a:extLst>
-          </a:blip>
-          <a:stretch>
-            <a:fillRect/>
-          </a:stretch>
-        </p:blipFill>
-        <p:spPr>
-          <a:xfrm>
-            <a:off x="2592925" y="3349299"/>
-            <a:ext cx="6175719" cy="3210572"/>
-          </a:xfrm>
-          <a:prstGeom prst="rect">
-            <a:avLst/>
-          </a:prstGeom>
-        </p:spPr>
-      </p:pic>
       <mc:AlternateContent xmlns:mc="http://schemas.openxmlformats.org/markup-compatibility/2006" xmlns:a14="http://schemas.microsoft.com/office/drawing/2010/main">
         <mc:Choice Requires="a14">
           <p:graphicFrame>
@@ -19121,6 +19196,36 @@
           </p:graphicFrame>
         </mc:Fallback>
       </mc:AlternateContent>
+      <p:pic>
+        <p:nvPicPr>
+          <p:cNvPr id="3" name="图片 2"/>
+          <p:cNvPicPr>
+            <a:picLocks noChangeAspect="1"/>
+          </p:cNvPicPr>
+          <p:nvPr/>
+        </p:nvPicPr>
+        <p:blipFill>
+          <a:blip r:embed="rId5">
+            <a:extLst>
+              <a:ext uri="{28A0092B-C50C-407E-A947-70E740481C1C}">
+                <a14:useLocalDpi xmlns:a14="http://schemas.microsoft.com/office/drawing/2010/main" val="0"/>
+              </a:ext>
+            </a:extLst>
+          </a:blip>
+          <a:stretch>
+            <a:fillRect/>
+          </a:stretch>
+        </p:blipFill>
+        <p:spPr>
+          <a:xfrm>
+            <a:off x="2592925" y="3302801"/>
+            <a:ext cx="6229228" cy="3371645"/>
+          </a:xfrm>
+          <a:prstGeom prst="rect">
+            <a:avLst/>
+          </a:prstGeom>
+        </p:spPr>
+      </p:pic>
     </p:spTree>
     <p:extLst>
       <p:ext uri="{BB962C8B-B14F-4D97-AF65-F5344CB8AC3E}">
@@ -19213,11 +19318,7 @@
             </a:r>
             <a:r>
               <a:rPr lang="zh-CN" altLang="en-US" dirty="0" smtClean="0"/>
-              <a:t>条</a:t>
-            </a:r>
-            <a:r>
-              <a:rPr lang="zh-CN" altLang="en-US" dirty="0" smtClean="0"/>
-              <a:t>边的图</a:t>
+              <a:t>条边的图</a:t>
             </a:r>
             <a:endParaRPr lang="en-US" altLang="zh-CN" dirty="0" smtClean="0"/>
           </a:p>
@@ -22226,8 +22327,8 @@
           </a:p>
         </p:txBody>
       </p:sp>
-      <mc:AlternateContent xmlns:mc="http://schemas.openxmlformats.org/markup-compatibility/2006" xmlns:a14="http://schemas.microsoft.com/office/drawing/2010/main">
-        <mc:Choice Requires="a14">
+      <mc:AlternateContent xmlns:mc="http://schemas.openxmlformats.org/markup-compatibility/2006">
+        <mc:Choice xmlns:a14="http://schemas.microsoft.com/office/drawing/2010/main" Requires="a14">
           <p:sp>
             <p:nvSpPr>
               <p:cNvPr id="3" name="内容占位符 2"/>
@@ -22256,11 +22357,19 @@
                 </a:r>
                 <a:r>
                   <a:rPr lang="en-US" altLang="zh-CN" dirty="0"/>
-                  <a:t>Highway Hierarchy</a:t>
+                  <a:t>Highway </a:t>
+                </a:r>
+                <a:r>
+                  <a:rPr lang="en-US" altLang="zh-CN" dirty="0" smtClean="0"/>
+                  <a:t>Hierarchies</a:t>
+                </a:r>
+                <a:r>
+                  <a:rPr lang="zh-CN" altLang="en-US" smtClean="0"/>
+                  <a:t>的时间！</a:t>
                 </a:r>
                 <a:r>
                   <a:rPr lang="zh-CN" altLang="en-US" dirty="0"/>
-                  <a:t>和查询路线的时间！可以让我们使用更小</a:t>
+                  <a:t>可以让我们使用更小</a:t>
                 </a:r>
                 <a:r>
                   <a:rPr lang="zh-CN" altLang="en-US" dirty="0" smtClean="0"/>
@@ -22313,17 +22422,22 @@
                 </a:r>
                 <a:r>
                   <a:rPr lang="en-US" altLang="zh-CN" dirty="0"/>
-                  <a:t>bypass nodes</a:t>
-                </a:r>
-                <a:r>
-                  <a:rPr lang="zh-CN" altLang="en-US" dirty="0"/>
-                  <a:t>），来保证我们绕过这些点利大于弊。</a:t>
-                </a:r>
+                  <a:t>bypass </a:t>
+                </a:r>
+                <a:r>
+                  <a:rPr lang="en-US" altLang="zh-CN" dirty="0" smtClean="0"/>
+                  <a:t>nodes</a:t>
+                </a:r>
+                <a:r>
+                  <a:rPr lang="zh-CN" altLang="en-US" dirty="0" smtClean="0"/>
+                  <a:t>。</a:t>
+                </a:r>
+                <a:endParaRPr lang="zh-CN" altLang="en-US" dirty="0"/>
               </a:p>
             </p:txBody>
           </p:sp>
         </mc:Choice>
-        <mc:Fallback xmlns="">
+        <mc:Fallback>
           <p:sp>
             <p:nvSpPr>
               <p:cNvPr id="3" name="内容占位符 2"/>
@@ -22338,7 +22452,7 @@
               <a:blipFill rotWithShape="0">
                 <a:blip r:embed="rId2"/>
                 <a:stretch>
-                  <a:fillRect l="-616" t="-1129" r="-1642"/>
+                  <a:fillRect l="-616" t="-1129"/>
                 </a:stretch>
               </a:blipFill>
             </p:spPr>
@@ -28174,7 +28288,7 @@
                 <a:ext cx="8915400" cy="1695717"/>
               </a:xfrm>
               <a:blipFill rotWithShape="0">
-                <a:blip r:embed="rId2"/>
+                <a:blip r:embed="rId3"/>
                 <a:stretch>
                   <a:fillRect l="-479" t="-2518" b="-35252"/>
                 </a:stretch>
@@ -28198,7 +28312,7 @@
       <p:pic>
         <p:nvPicPr>
           <p:cNvPr id="5122" name="Picture 2" descr="Query 4">
-            <a:hlinkClick r:id="rId3"/>
+            <a:hlinkClick r:id="rId4"/>
           </p:cNvPr>
           <p:cNvPicPr>
             <a:picLocks noChangeAspect="1" noChangeArrowheads="1"/>
@@ -28206,7 +28320,7 @@
           <p:nvPr/>
         </p:nvPicPr>
         <p:blipFill>
-          <a:blip r:embed="rId4">
+          <a:blip r:embed="rId5">
             <a:extLst>
               <a:ext uri="{28A0092B-C50C-407E-A947-70E740481C1C}">
                 <a14:useLocalDpi xmlns:a14="http://schemas.microsoft.com/office/drawing/2010/main" val="0"/>
@@ -28452,8 +28566,8 @@
           </a:p>
         </p:txBody>
       </p:sp>
-      <mc:AlternateContent xmlns:mc="http://schemas.openxmlformats.org/markup-compatibility/2006">
-        <mc:Choice xmlns:a14="http://schemas.microsoft.com/office/drawing/2010/main" Requires="a14">
+      <mc:AlternateContent xmlns:mc="http://schemas.openxmlformats.org/markup-compatibility/2006" xmlns:a14="http://schemas.microsoft.com/office/drawing/2010/main">
+        <mc:Choice Requires="a14">
           <p:sp>
             <p:nvSpPr>
               <p:cNvPr id="3" name="内容占位符 2"/>
@@ -28842,7 +28956,7 @@
             </p:txBody>
           </p:sp>
         </mc:Choice>
-        <mc:Fallback>
+        <mc:Fallback xmlns="">
           <p:sp>
             <p:nvSpPr>
               <p:cNvPr id="3" name="内容占位符 2"/>
@@ -29044,8 +29158,8 @@
           </a:p>
         </p:txBody>
       </p:sp>
-      <mc:AlternateContent xmlns:mc="http://schemas.openxmlformats.org/markup-compatibility/2006">
-        <mc:Choice xmlns:a14="http://schemas.microsoft.com/office/drawing/2010/main" Requires="a14">
+      <mc:AlternateContent xmlns:mc="http://schemas.openxmlformats.org/markup-compatibility/2006" xmlns:a14="http://schemas.microsoft.com/office/drawing/2010/main">
+        <mc:Choice Requires="a14">
           <p:sp>
             <p:nvSpPr>
               <p:cNvPr id="3" name="内容占位符 2"/>
@@ -29439,7 +29553,7 @@
             </p:txBody>
           </p:sp>
         </mc:Choice>
-        <mc:Fallback>
+        <mc:Fallback xmlns="">
           <p:sp>
             <p:nvSpPr>
               <p:cNvPr id="3" name="内容占位符 2"/>
@@ -29477,6 +29591,125 @@
     <p:extLst>
       <p:ext uri="{BB962C8B-B14F-4D97-AF65-F5344CB8AC3E}">
         <p14:creationId xmlns:p14="http://schemas.microsoft.com/office/powerpoint/2010/main" val="4043254995"/>
+      </p:ext>
+    </p:extLst>
+  </p:cSld>
+  <p:clrMapOvr>
+    <a:masterClrMapping/>
+  </p:clrMapOvr>
+</p:sld>
+</file>
+
+<file path=ppt/slides/slide41.xml><?xml version="1.0" encoding="utf-8"?>
+<p:sld xmlns:a="http://schemas.openxmlformats.org/drawingml/2006/main" xmlns:r="http://schemas.openxmlformats.org/officeDocument/2006/relationships" xmlns:p="http://schemas.openxmlformats.org/presentationml/2006/main">
+  <p:cSld>
+    <p:spTree>
+      <p:nvGrpSpPr>
+        <p:cNvPr id="1" name=""/>
+        <p:cNvGrpSpPr/>
+        <p:nvPr/>
+      </p:nvGrpSpPr>
+      <p:grpSpPr>
+        <a:xfrm>
+          <a:off x="0" y="0"/>
+          <a:ext cx="0" cy="0"/>
+          <a:chOff x="0" y="0"/>
+          <a:chExt cx="0" cy="0"/>
+        </a:xfrm>
+      </p:grpSpPr>
+      <p:sp>
+        <p:nvSpPr>
+          <p:cNvPr id="4" name="矩形 3"/>
+          <p:cNvSpPr/>
+          <p:nvPr/>
+        </p:nvSpPr>
+        <p:spPr>
+          <a:xfrm>
+            <a:off x="3924572" y="2967335"/>
+            <a:ext cx="4342856" cy="923330"/>
+          </a:xfrm>
+          <a:prstGeom prst="rect">
+            <a:avLst/>
+          </a:prstGeom>
+          <a:noFill/>
+        </p:spPr>
+        <p:txBody>
+          <a:bodyPr wrap="none" lIns="91440" tIns="45720" rIns="91440" bIns="45720">
+            <a:spAutoFit/>
+          </a:bodyPr>
+          <a:lstStyle/>
+          <a:p>
+            <a:pPr algn="ctr"/>
+            <a:r>
+              <a:rPr lang="en-US" altLang="zh-CN" sz="5400" b="1" cap="none" spc="0" dirty="0" smtClean="0">
+                <a:ln w="9525">
+                  <a:solidFill>
+                    <a:schemeClr val="bg1"/>
+                  </a:solidFill>
+                  <a:prstDash val="solid"/>
+                </a:ln>
+                <a:solidFill>
+                  <a:schemeClr val="accent5"/>
+                </a:solidFill>
+                <a:effectLst>
+                  <a:outerShdw blurRad="12700" dist="38100" dir="2700000" algn="tl" rotWithShape="0">
+                    <a:schemeClr val="accent5">
+                      <a:lumMod val="60000"/>
+                      <a:lumOff val="40000"/>
+                    </a:schemeClr>
+                  </a:outerShdw>
+                </a:effectLst>
+              </a:rPr>
+              <a:t>Thank You</a:t>
+            </a:r>
+            <a:r>
+              <a:rPr lang="zh-CN" altLang="en-US" sz="5400" b="1" cap="none" spc="0" dirty="0" smtClean="0">
+                <a:ln w="9525">
+                  <a:solidFill>
+                    <a:schemeClr val="bg1"/>
+                  </a:solidFill>
+                  <a:prstDash val="solid"/>
+                </a:ln>
+                <a:solidFill>
+                  <a:schemeClr val="accent5"/>
+                </a:solidFill>
+                <a:effectLst>
+                  <a:outerShdw blurRad="12700" dist="38100" dir="2700000" algn="tl" rotWithShape="0">
+                    <a:schemeClr val="accent5">
+                      <a:lumMod val="60000"/>
+                      <a:lumOff val="40000"/>
+                    </a:schemeClr>
+                  </a:outerShdw>
+                </a:effectLst>
+              </a:rPr>
+              <a:t>！</a:t>
+            </a:r>
+            <a:endParaRPr lang="zh-CN" altLang="en-US" sz="5400" b="1" cap="none" spc="0" dirty="0">
+              <a:ln w="9525">
+                <a:solidFill>
+                  <a:schemeClr val="bg1"/>
+                </a:solidFill>
+                <a:prstDash val="solid"/>
+              </a:ln>
+              <a:solidFill>
+                <a:schemeClr val="accent5"/>
+              </a:solidFill>
+              <a:effectLst>
+                <a:outerShdw blurRad="12700" dist="38100" dir="2700000" algn="tl" rotWithShape="0">
+                  <a:schemeClr val="accent5">
+                    <a:lumMod val="60000"/>
+                    <a:lumOff val="40000"/>
+                  </a:schemeClr>
+                </a:outerShdw>
+              </a:effectLst>
+            </a:endParaRPr>
+          </a:p>
+        </p:txBody>
+      </p:sp>
+    </p:spTree>
+    <p:extLst>
+      <p:ext uri="{BB962C8B-B14F-4D97-AF65-F5344CB8AC3E}">
+        <p14:creationId xmlns:p14="http://schemas.microsoft.com/office/powerpoint/2010/main" val="3892185318"/>
       </p:ext>
     </p:extLst>
   </p:cSld>
@@ -30167,11 +30400,11 @@
             </a:r>
             <a:r>
               <a:rPr lang="zh-CN" altLang="en-US" dirty="0" smtClean="0"/>
-              <a:t>层次算法的</a:t>
+              <a:t>层次算法也</a:t>
             </a:r>
             <a:r>
               <a:rPr lang="zh-CN" altLang="en-US" dirty="0"/>
-              <a:t>主要思想和上述思想相差不大，也是将公路网分层再进行查询。</a:t>
+              <a:t>是将公路网分层再进行查询。</a:t>
             </a:r>
           </a:p>
         </p:txBody>
